--- a/j205/arch.pptx
+++ b/j205/arch.pptx
@@ -6,6 +6,7 @@
   </p:sldMasterIdLst>
   <p:sldIdLst>
     <p:sldId id="259" r:id="rId2"/>
+    <p:sldId id="260" r:id="rId3"/>
   </p:sldIdLst>
   <p:sldSz cx="12192000" cy="6858000"/>
   <p:notesSz cx="6858000" cy="9144000"/>
@@ -271,7 +272,7 @@
           <a:p>
             <a:fld id="{B030EC3B-4BEC-426E-A6DD-03F53542CBE1}" type="datetimeFigureOut">
               <a:rPr lang="ko-KR" altLang="en-US" smtClean="0"/>
-              <a:t>2021-05-13</a:t>
+              <a:t>2021-05-20</a:t>
             </a:fld>
             <a:endParaRPr lang="ko-KR" altLang="en-US"/>
           </a:p>
@@ -469,7 +470,7 @@
           <a:p>
             <a:fld id="{B030EC3B-4BEC-426E-A6DD-03F53542CBE1}" type="datetimeFigureOut">
               <a:rPr lang="ko-KR" altLang="en-US" smtClean="0"/>
-              <a:t>2021-05-13</a:t>
+              <a:t>2021-05-20</a:t>
             </a:fld>
             <a:endParaRPr lang="ko-KR" altLang="en-US"/>
           </a:p>
@@ -677,7 +678,7 @@
           <a:p>
             <a:fld id="{B030EC3B-4BEC-426E-A6DD-03F53542CBE1}" type="datetimeFigureOut">
               <a:rPr lang="ko-KR" altLang="en-US" smtClean="0"/>
-              <a:t>2021-05-13</a:t>
+              <a:t>2021-05-20</a:t>
             </a:fld>
             <a:endParaRPr lang="ko-KR" altLang="en-US"/>
           </a:p>
@@ -875,7 +876,7 @@
           <a:p>
             <a:fld id="{B030EC3B-4BEC-426E-A6DD-03F53542CBE1}" type="datetimeFigureOut">
               <a:rPr lang="ko-KR" altLang="en-US" smtClean="0"/>
-              <a:t>2021-05-13</a:t>
+              <a:t>2021-05-20</a:t>
             </a:fld>
             <a:endParaRPr lang="ko-KR" altLang="en-US"/>
           </a:p>
@@ -1150,7 +1151,7 @@
           <a:p>
             <a:fld id="{B030EC3B-4BEC-426E-A6DD-03F53542CBE1}" type="datetimeFigureOut">
               <a:rPr lang="ko-KR" altLang="en-US" smtClean="0"/>
-              <a:t>2021-05-13</a:t>
+              <a:t>2021-05-20</a:t>
             </a:fld>
             <a:endParaRPr lang="ko-KR" altLang="en-US"/>
           </a:p>
@@ -1415,7 +1416,7 @@
           <a:p>
             <a:fld id="{B030EC3B-4BEC-426E-A6DD-03F53542CBE1}" type="datetimeFigureOut">
               <a:rPr lang="ko-KR" altLang="en-US" smtClean="0"/>
-              <a:t>2021-05-13</a:t>
+              <a:t>2021-05-20</a:t>
             </a:fld>
             <a:endParaRPr lang="ko-KR" altLang="en-US"/>
           </a:p>
@@ -1827,7 +1828,7 @@
           <a:p>
             <a:fld id="{B030EC3B-4BEC-426E-A6DD-03F53542CBE1}" type="datetimeFigureOut">
               <a:rPr lang="ko-KR" altLang="en-US" smtClean="0"/>
-              <a:t>2021-05-13</a:t>
+              <a:t>2021-05-20</a:t>
             </a:fld>
             <a:endParaRPr lang="ko-KR" altLang="en-US"/>
           </a:p>
@@ -1968,7 +1969,7 @@
           <a:p>
             <a:fld id="{B030EC3B-4BEC-426E-A6DD-03F53542CBE1}" type="datetimeFigureOut">
               <a:rPr lang="ko-KR" altLang="en-US" smtClean="0"/>
-              <a:t>2021-05-13</a:t>
+              <a:t>2021-05-20</a:t>
             </a:fld>
             <a:endParaRPr lang="ko-KR" altLang="en-US"/>
           </a:p>
@@ -2081,7 +2082,7 @@
           <a:p>
             <a:fld id="{B030EC3B-4BEC-426E-A6DD-03F53542CBE1}" type="datetimeFigureOut">
               <a:rPr lang="ko-KR" altLang="en-US" smtClean="0"/>
-              <a:t>2021-05-13</a:t>
+              <a:t>2021-05-20</a:t>
             </a:fld>
             <a:endParaRPr lang="ko-KR" altLang="en-US"/>
           </a:p>
@@ -2392,7 +2393,7 @@
           <a:p>
             <a:fld id="{B030EC3B-4BEC-426E-A6DD-03F53542CBE1}" type="datetimeFigureOut">
               <a:rPr lang="ko-KR" altLang="en-US" smtClean="0"/>
-              <a:t>2021-05-13</a:t>
+              <a:t>2021-05-20</a:t>
             </a:fld>
             <a:endParaRPr lang="ko-KR" altLang="en-US"/>
           </a:p>
@@ -2680,7 +2681,7 @@
           <a:p>
             <a:fld id="{B030EC3B-4BEC-426E-A6DD-03F53542CBE1}" type="datetimeFigureOut">
               <a:rPr lang="ko-KR" altLang="en-US" smtClean="0"/>
-              <a:t>2021-05-13</a:t>
+              <a:t>2021-05-20</a:t>
             </a:fld>
             <a:endParaRPr lang="ko-KR" altLang="en-US"/>
           </a:p>
@@ -2921,7 +2922,7 @@
           <a:p>
             <a:fld id="{B030EC3B-4BEC-426E-A6DD-03F53542CBE1}" type="datetimeFigureOut">
               <a:rPr lang="ko-KR" altLang="en-US" smtClean="0"/>
-              <a:t>2021-05-13</a:t>
+              <a:t>2021-05-20</a:t>
             </a:fld>
             <a:endParaRPr lang="ko-KR" altLang="en-US"/>
           </a:p>
@@ -4831,10 +4832,1745 @@
           </a:p>
         </p:txBody>
       </p:sp>
+      <p:sp>
+        <p:nvSpPr>
+          <p:cNvPr id="37" name="직사각형 36">
+            <a:extLst>
+              <a:ext uri="{FF2B5EF4-FFF2-40B4-BE49-F238E27FC236}">
+                <a16:creationId xmlns:a16="http://schemas.microsoft.com/office/drawing/2014/main" id="{7AD1AB85-CFD8-4D51-8D6E-933031597227}"/>
+              </a:ext>
+            </a:extLst>
+          </p:cNvPr>
+          <p:cNvSpPr/>
+          <p:nvPr/>
+        </p:nvSpPr>
+        <p:spPr>
+          <a:xfrm rot="1869996">
+            <a:off x="9936036" y="1307762"/>
+            <a:ext cx="1719741" cy="404160"/>
+          </a:xfrm>
+          <a:prstGeom prst="rect">
+            <a:avLst/>
+          </a:prstGeom>
+          <a:solidFill>
+            <a:srgbClr val="FF0000"/>
+          </a:solidFill>
+        </p:spPr>
+        <p:style>
+          <a:lnRef idx="2">
+            <a:schemeClr val="accent1">
+              <a:shade val="50000"/>
+            </a:schemeClr>
+          </a:lnRef>
+          <a:fillRef idx="1">
+            <a:schemeClr val="accent1"/>
+          </a:fillRef>
+          <a:effectRef idx="0">
+            <a:schemeClr val="accent1"/>
+          </a:effectRef>
+          <a:fontRef idx="minor">
+            <a:schemeClr val="lt1"/>
+          </a:fontRef>
+        </p:style>
+        <p:txBody>
+          <a:bodyPr rtlCol="0" anchor="ctr"/>
+          <a:lstStyle/>
+          <a:p>
+            <a:pPr algn="ctr"/>
+            <a:r>
+              <a:rPr lang="en-US" altLang="ko-KR" dirty="0"/>
+              <a:t>Web</a:t>
+            </a:r>
+            <a:endParaRPr lang="ko-KR" altLang="en-US" dirty="0"/>
+          </a:p>
+        </p:txBody>
+      </p:sp>
+      <p:sp>
+        <p:nvSpPr>
+          <p:cNvPr id="38" name="직사각형 37">
+            <a:extLst>
+              <a:ext uri="{FF2B5EF4-FFF2-40B4-BE49-F238E27FC236}">
+                <a16:creationId xmlns:a16="http://schemas.microsoft.com/office/drawing/2014/main" id="{50A93A27-4928-4ADA-B09B-D7DD1F225F2E}"/>
+              </a:ext>
+            </a:extLst>
+          </p:cNvPr>
+          <p:cNvSpPr/>
+          <p:nvPr/>
+        </p:nvSpPr>
+        <p:spPr>
+          <a:xfrm rot="1869996">
+            <a:off x="4114635" y="1249744"/>
+            <a:ext cx="1719741" cy="404160"/>
+          </a:xfrm>
+          <a:prstGeom prst="rect">
+            <a:avLst/>
+          </a:prstGeom>
+          <a:solidFill>
+            <a:srgbClr val="FF0000"/>
+          </a:solidFill>
+        </p:spPr>
+        <p:style>
+          <a:lnRef idx="2">
+            <a:schemeClr val="accent1">
+              <a:shade val="50000"/>
+            </a:schemeClr>
+          </a:lnRef>
+          <a:fillRef idx="1">
+            <a:schemeClr val="accent1"/>
+          </a:fillRef>
+          <a:effectRef idx="0">
+            <a:schemeClr val="accent1"/>
+          </a:effectRef>
+          <a:fontRef idx="minor">
+            <a:schemeClr val="lt1"/>
+          </a:fontRef>
+        </p:style>
+        <p:txBody>
+          <a:bodyPr rtlCol="0" anchor="ctr"/>
+          <a:lstStyle/>
+          <a:p>
+            <a:pPr algn="ctr"/>
+            <a:r>
+              <a:rPr lang="en-US" altLang="ko-KR" dirty="0"/>
+              <a:t>WebFlux</a:t>
+            </a:r>
+            <a:endParaRPr lang="ko-KR" altLang="en-US" dirty="0"/>
+          </a:p>
+        </p:txBody>
+      </p:sp>
     </p:spTree>
     <p:extLst>
       <p:ext uri="{BB962C8B-B14F-4D97-AF65-F5344CB8AC3E}">
         <p14:creationId xmlns:p14="http://schemas.microsoft.com/office/powerpoint/2010/main" val="688340755"/>
+      </p:ext>
+    </p:extLst>
+  </p:cSld>
+  <p:clrMapOvr>
+    <a:masterClrMapping/>
+  </p:clrMapOvr>
+</p:sld>
+</file>
+
+<file path=ppt/slides/slide2.xml><?xml version="1.0" encoding="utf-8"?>
+<p:sld xmlns:a="http://schemas.openxmlformats.org/drawingml/2006/main" xmlns:r="http://schemas.openxmlformats.org/officeDocument/2006/relationships" xmlns:p="http://schemas.openxmlformats.org/presentationml/2006/main">
+  <p:cSld>
+    <p:spTree>
+      <p:nvGrpSpPr>
+        <p:cNvPr id="1" name=""/>
+        <p:cNvGrpSpPr/>
+        <p:nvPr/>
+      </p:nvGrpSpPr>
+      <p:grpSpPr>
+        <a:xfrm>
+          <a:off x="0" y="0"/>
+          <a:ext cx="0" cy="0"/>
+          <a:chOff x="0" y="0"/>
+          <a:chExt cx="0" cy="0"/>
+        </a:xfrm>
+      </p:grpSpPr>
+      <p:sp>
+        <p:nvSpPr>
+          <p:cNvPr id="3" name="직사각형 2">
+            <a:extLst>
+              <a:ext uri="{FF2B5EF4-FFF2-40B4-BE49-F238E27FC236}">
+                <a16:creationId xmlns:a16="http://schemas.microsoft.com/office/drawing/2014/main" id="{38430237-A968-4F75-A9BE-8BD389BB0FDD}"/>
+              </a:ext>
+            </a:extLst>
+          </p:cNvPr>
+          <p:cNvSpPr/>
+          <p:nvPr/>
+        </p:nvSpPr>
+        <p:spPr>
+          <a:xfrm>
+            <a:off x="3407969" y="1098958"/>
+            <a:ext cx="5052540" cy="5734959"/>
+          </a:xfrm>
+          <a:prstGeom prst="rect">
+            <a:avLst/>
+          </a:prstGeom>
+          <a:ln>
+            <a:solidFill>
+              <a:srgbClr val="FF0000"/>
+            </a:solidFill>
+            <a:prstDash val="lgDash"/>
+          </a:ln>
+        </p:spPr>
+        <p:style>
+          <a:lnRef idx="2">
+            <a:schemeClr val="accent1"/>
+          </a:lnRef>
+          <a:fillRef idx="1">
+            <a:schemeClr val="lt1"/>
+          </a:fillRef>
+          <a:effectRef idx="0">
+            <a:schemeClr val="accent1"/>
+          </a:effectRef>
+          <a:fontRef idx="minor">
+            <a:schemeClr val="dk1"/>
+          </a:fontRef>
+        </p:style>
+        <p:txBody>
+          <a:bodyPr rtlCol="0" anchor="ctr"/>
+          <a:lstStyle/>
+          <a:p>
+            <a:pPr algn="ctr"/>
+            <a:endParaRPr lang="ko-KR" altLang="en-US"/>
+          </a:p>
+        </p:txBody>
+      </p:sp>
+      <p:sp>
+        <p:nvSpPr>
+          <p:cNvPr id="2" name="제목 1">
+            <a:extLst>
+              <a:ext uri="{FF2B5EF4-FFF2-40B4-BE49-F238E27FC236}">
+                <a16:creationId xmlns:a16="http://schemas.microsoft.com/office/drawing/2014/main" id="{F9F5BEAC-3AA8-4AB9-BD86-43CD98D0C1AB}"/>
+              </a:ext>
+            </a:extLst>
+          </p:cNvPr>
+          <p:cNvSpPr>
+            <a:spLocks noGrp="1"/>
+          </p:cNvSpPr>
+          <p:nvPr>
+            <p:ph type="title"/>
+          </p:nvPr>
+        </p:nvSpPr>
+        <p:spPr>
+          <a:xfrm>
+            <a:off x="0" y="24083"/>
+            <a:ext cx="12192000" cy="1152172"/>
+          </a:xfrm>
+        </p:spPr>
+        <p:txBody>
+          <a:bodyPr>
+            <a:normAutofit/>
+          </a:bodyPr>
+          <a:lstStyle/>
+          <a:p>
+            <a:pPr algn="ctr"/>
+            <a:r>
+              <a:rPr lang="en-US" altLang="ko-KR" sz="6600" dirty="0"/>
+              <a:t>OAuth2 + Gateway + Keycloak</a:t>
+            </a:r>
+            <a:endParaRPr lang="ko-KR" altLang="en-US" sz="6600" dirty="0"/>
+          </a:p>
+        </p:txBody>
+      </p:sp>
+      <p:sp>
+        <p:nvSpPr>
+          <p:cNvPr id="4" name="타원 3">
+            <a:extLst>
+              <a:ext uri="{FF2B5EF4-FFF2-40B4-BE49-F238E27FC236}">
+                <a16:creationId xmlns:a16="http://schemas.microsoft.com/office/drawing/2014/main" id="{A613252C-2064-4314-B38B-620E68AD4AA4}"/>
+              </a:ext>
+            </a:extLst>
+          </p:cNvPr>
+          <p:cNvSpPr/>
+          <p:nvPr/>
+        </p:nvSpPr>
+        <p:spPr>
+          <a:xfrm>
+            <a:off x="983706" y="1266093"/>
+            <a:ext cx="1501000" cy="1032033"/>
+          </a:xfrm>
+          <a:prstGeom prst="ellipse">
+            <a:avLst/>
+          </a:prstGeom>
+        </p:spPr>
+        <p:style>
+          <a:lnRef idx="2">
+            <a:schemeClr val="accent1">
+              <a:shade val="50000"/>
+            </a:schemeClr>
+          </a:lnRef>
+          <a:fillRef idx="1">
+            <a:schemeClr val="accent1"/>
+          </a:fillRef>
+          <a:effectRef idx="0">
+            <a:schemeClr val="accent1"/>
+          </a:effectRef>
+          <a:fontRef idx="minor">
+            <a:schemeClr val="lt1"/>
+          </a:fontRef>
+        </p:style>
+        <p:txBody>
+          <a:bodyPr rtlCol="0" anchor="ctr"/>
+          <a:lstStyle/>
+          <a:p>
+            <a:pPr algn="ctr"/>
+            <a:r>
+              <a:rPr lang="en-US" altLang="ko-KR" sz="1400" b="1" dirty="0"/>
+              <a:t>user</a:t>
+            </a:r>
+            <a:endParaRPr lang="ko-KR" altLang="en-US" sz="1400" b="1" dirty="0"/>
+          </a:p>
+        </p:txBody>
+      </p:sp>
+      <p:sp>
+        <p:nvSpPr>
+          <p:cNvPr id="5" name="타원 4">
+            <a:extLst>
+              <a:ext uri="{FF2B5EF4-FFF2-40B4-BE49-F238E27FC236}">
+                <a16:creationId xmlns:a16="http://schemas.microsoft.com/office/drawing/2014/main" id="{F6676E69-1DF8-4C47-9B8A-AE9EE6018A10}"/>
+              </a:ext>
+            </a:extLst>
+          </p:cNvPr>
+          <p:cNvSpPr/>
+          <p:nvPr/>
+        </p:nvSpPr>
+        <p:spPr>
+          <a:xfrm>
+            <a:off x="3800479" y="1266093"/>
+            <a:ext cx="1501000" cy="1032033"/>
+          </a:xfrm>
+          <a:prstGeom prst="ellipse">
+            <a:avLst/>
+          </a:prstGeom>
+        </p:spPr>
+        <p:style>
+          <a:lnRef idx="2">
+            <a:schemeClr val="accent1">
+              <a:shade val="50000"/>
+            </a:schemeClr>
+          </a:lnRef>
+          <a:fillRef idx="1">
+            <a:schemeClr val="accent1"/>
+          </a:fillRef>
+          <a:effectRef idx="0">
+            <a:schemeClr val="accent1"/>
+          </a:effectRef>
+          <a:fontRef idx="minor">
+            <a:schemeClr val="lt1"/>
+          </a:fontRef>
+        </p:style>
+        <p:txBody>
+          <a:bodyPr rtlCol="0" anchor="ctr"/>
+          <a:lstStyle/>
+          <a:p>
+            <a:pPr algn="ctr"/>
+            <a:r>
+              <a:rPr lang="en-US" altLang="ko-KR" sz="1400" b="1" dirty="0"/>
+              <a:t>Gateway</a:t>
+            </a:r>
+          </a:p>
+          <a:p>
+            <a:pPr algn="ctr"/>
+            <a:r>
+              <a:rPr lang="en-US" altLang="ko-KR" sz="1400" b="1" dirty="0"/>
+              <a:t>OAuth2</a:t>
+            </a:r>
+            <a:endParaRPr lang="ko-KR" altLang="en-US" sz="1400" b="1" dirty="0"/>
+          </a:p>
+        </p:txBody>
+      </p:sp>
+      <p:sp>
+        <p:nvSpPr>
+          <p:cNvPr id="6" name="타원 5">
+            <a:extLst>
+              <a:ext uri="{FF2B5EF4-FFF2-40B4-BE49-F238E27FC236}">
+                <a16:creationId xmlns:a16="http://schemas.microsoft.com/office/drawing/2014/main" id="{232AAF22-1CA0-4EFB-8B90-6282FA233DBA}"/>
+              </a:ext>
+            </a:extLst>
+          </p:cNvPr>
+          <p:cNvSpPr/>
+          <p:nvPr/>
+        </p:nvSpPr>
+        <p:spPr>
+          <a:xfrm>
+            <a:off x="6722357" y="1266093"/>
+            <a:ext cx="1501000" cy="1032033"/>
+          </a:xfrm>
+          <a:prstGeom prst="ellipse">
+            <a:avLst/>
+          </a:prstGeom>
+        </p:spPr>
+        <p:style>
+          <a:lnRef idx="2">
+            <a:schemeClr val="accent1">
+              <a:shade val="50000"/>
+            </a:schemeClr>
+          </a:lnRef>
+          <a:fillRef idx="1">
+            <a:schemeClr val="accent1"/>
+          </a:fillRef>
+          <a:effectRef idx="0">
+            <a:schemeClr val="accent1"/>
+          </a:effectRef>
+          <a:fontRef idx="minor">
+            <a:schemeClr val="lt1"/>
+          </a:fontRef>
+        </p:style>
+        <p:txBody>
+          <a:bodyPr rtlCol="0" anchor="ctr"/>
+          <a:lstStyle/>
+          <a:p>
+            <a:pPr algn="ctr"/>
+            <a:r>
+              <a:rPr lang="en-US" altLang="ko-KR" sz="1400" b="1" dirty="0"/>
+              <a:t>keycloak</a:t>
+            </a:r>
+            <a:endParaRPr lang="ko-KR" altLang="en-US" sz="1400" b="1" dirty="0"/>
+          </a:p>
+        </p:txBody>
+      </p:sp>
+      <p:sp>
+        <p:nvSpPr>
+          <p:cNvPr id="7" name="타원 6">
+            <a:extLst>
+              <a:ext uri="{FF2B5EF4-FFF2-40B4-BE49-F238E27FC236}">
+                <a16:creationId xmlns:a16="http://schemas.microsoft.com/office/drawing/2014/main" id="{F1CB9ACA-60A0-4F5C-AB67-FF15A0BDB93F}"/>
+              </a:ext>
+            </a:extLst>
+          </p:cNvPr>
+          <p:cNvSpPr/>
+          <p:nvPr/>
+        </p:nvSpPr>
+        <p:spPr>
+          <a:xfrm>
+            <a:off x="9644235" y="1266093"/>
+            <a:ext cx="1501000" cy="1032033"/>
+          </a:xfrm>
+          <a:prstGeom prst="ellipse">
+            <a:avLst/>
+          </a:prstGeom>
+        </p:spPr>
+        <p:style>
+          <a:lnRef idx="2">
+            <a:schemeClr val="accent1">
+              <a:shade val="50000"/>
+            </a:schemeClr>
+          </a:lnRef>
+          <a:fillRef idx="1">
+            <a:schemeClr val="accent1"/>
+          </a:fillRef>
+          <a:effectRef idx="0">
+            <a:schemeClr val="accent1"/>
+          </a:effectRef>
+          <a:fontRef idx="minor">
+            <a:schemeClr val="lt1"/>
+          </a:fontRef>
+        </p:style>
+        <p:txBody>
+          <a:bodyPr rtlCol="0" anchor="ctr"/>
+          <a:lstStyle/>
+          <a:p>
+            <a:pPr algn="ctr"/>
+            <a:r>
+              <a:rPr lang="en-US" altLang="ko-KR" sz="1400" b="1" dirty="0"/>
+              <a:t>biz</a:t>
+            </a:r>
+            <a:endParaRPr lang="ko-KR" altLang="en-US" sz="1400" b="1" dirty="0"/>
+          </a:p>
+        </p:txBody>
+      </p:sp>
+      <p:cxnSp>
+        <p:nvCxnSpPr>
+          <p:cNvPr id="8" name="직선 연결선 7">
+            <a:extLst>
+              <a:ext uri="{FF2B5EF4-FFF2-40B4-BE49-F238E27FC236}">
+                <a16:creationId xmlns:a16="http://schemas.microsoft.com/office/drawing/2014/main" id="{17A20BCC-F5DF-4CE3-B826-71B196CCB9CE}"/>
+              </a:ext>
+            </a:extLst>
+          </p:cNvPr>
+          <p:cNvCxnSpPr>
+            <a:cxnSpLocks/>
+            <a:stCxn id="4" idx="4"/>
+          </p:cNvCxnSpPr>
+          <p:nvPr/>
+        </p:nvCxnSpPr>
+        <p:spPr>
+          <a:xfrm>
+            <a:off x="1734206" y="2298126"/>
+            <a:ext cx="0" cy="4419928"/>
+          </a:xfrm>
+          <a:prstGeom prst="line">
+            <a:avLst/>
+          </a:prstGeom>
+          <a:ln w="22225"/>
+        </p:spPr>
+        <p:style>
+          <a:lnRef idx="1">
+            <a:schemeClr val="accent1"/>
+          </a:lnRef>
+          <a:fillRef idx="0">
+            <a:schemeClr val="accent1"/>
+          </a:fillRef>
+          <a:effectRef idx="0">
+            <a:schemeClr val="accent1"/>
+          </a:effectRef>
+          <a:fontRef idx="minor">
+            <a:schemeClr val="tx1"/>
+          </a:fontRef>
+        </p:style>
+      </p:cxnSp>
+      <p:cxnSp>
+        <p:nvCxnSpPr>
+          <p:cNvPr id="9" name="직선 연결선 8">
+            <a:extLst>
+              <a:ext uri="{FF2B5EF4-FFF2-40B4-BE49-F238E27FC236}">
+                <a16:creationId xmlns:a16="http://schemas.microsoft.com/office/drawing/2014/main" id="{0EFD8903-5010-4E99-A4C5-279C6CFD807A}"/>
+              </a:ext>
+            </a:extLst>
+          </p:cNvPr>
+          <p:cNvCxnSpPr>
+            <a:cxnSpLocks/>
+            <a:stCxn id="5" idx="4"/>
+          </p:cNvCxnSpPr>
+          <p:nvPr/>
+        </p:nvCxnSpPr>
+        <p:spPr>
+          <a:xfrm>
+            <a:off x="4550979" y="2298126"/>
+            <a:ext cx="0" cy="4419928"/>
+          </a:xfrm>
+          <a:prstGeom prst="line">
+            <a:avLst/>
+          </a:prstGeom>
+          <a:ln w="22225"/>
+        </p:spPr>
+        <p:style>
+          <a:lnRef idx="1">
+            <a:schemeClr val="accent1"/>
+          </a:lnRef>
+          <a:fillRef idx="0">
+            <a:schemeClr val="accent1"/>
+          </a:fillRef>
+          <a:effectRef idx="0">
+            <a:schemeClr val="accent1"/>
+          </a:effectRef>
+          <a:fontRef idx="minor">
+            <a:schemeClr val="tx1"/>
+          </a:fontRef>
+        </p:style>
+      </p:cxnSp>
+      <p:cxnSp>
+        <p:nvCxnSpPr>
+          <p:cNvPr id="10" name="직선 연결선 9">
+            <a:extLst>
+              <a:ext uri="{FF2B5EF4-FFF2-40B4-BE49-F238E27FC236}">
+                <a16:creationId xmlns:a16="http://schemas.microsoft.com/office/drawing/2014/main" id="{2D2E8F65-CDA2-408D-8CB9-5E2013CC529F}"/>
+              </a:ext>
+            </a:extLst>
+          </p:cNvPr>
+          <p:cNvCxnSpPr>
+            <a:cxnSpLocks/>
+            <a:stCxn id="6" idx="4"/>
+          </p:cNvCxnSpPr>
+          <p:nvPr/>
+        </p:nvCxnSpPr>
+        <p:spPr>
+          <a:xfrm>
+            <a:off x="7472857" y="2298126"/>
+            <a:ext cx="0" cy="4419928"/>
+          </a:xfrm>
+          <a:prstGeom prst="line">
+            <a:avLst/>
+          </a:prstGeom>
+          <a:ln w="22225"/>
+        </p:spPr>
+        <p:style>
+          <a:lnRef idx="1">
+            <a:schemeClr val="accent1"/>
+          </a:lnRef>
+          <a:fillRef idx="0">
+            <a:schemeClr val="accent1"/>
+          </a:fillRef>
+          <a:effectRef idx="0">
+            <a:schemeClr val="accent1"/>
+          </a:effectRef>
+          <a:fontRef idx="minor">
+            <a:schemeClr val="tx1"/>
+          </a:fontRef>
+        </p:style>
+      </p:cxnSp>
+      <p:cxnSp>
+        <p:nvCxnSpPr>
+          <p:cNvPr id="11" name="직선 연결선 10">
+            <a:extLst>
+              <a:ext uri="{FF2B5EF4-FFF2-40B4-BE49-F238E27FC236}">
+                <a16:creationId xmlns:a16="http://schemas.microsoft.com/office/drawing/2014/main" id="{A19394F5-D7A5-45B6-AE96-77D86AA3557B}"/>
+              </a:ext>
+            </a:extLst>
+          </p:cNvPr>
+          <p:cNvCxnSpPr>
+            <a:cxnSpLocks/>
+            <a:stCxn id="7" idx="4"/>
+          </p:cNvCxnSpPr>
+          <p:nvPr/>
+        </p:nvCxnSpPr>
+        <p:spPr>
+          <a:xfrm>
+            <a:off x="10394735" y="2298126"/>
+            <a:ext cx="0" cy="4619953"/>
+          </a:xfrm>
+          <a:prstGeom prst="line">
+            <a:avLst/>
+          </a:prstGeom>
+          <a:ln w="22225"/>
+        </p:spPr>
+        <p:style>
+          <a:lnRef idx="1">
+            <a:schemeClr val="accent1"/>
+          </a:lnRef>
+          <a:fillRef idx="0">
+            <a:schemeClr val="accent1"/>
+          </a:fillRef>
+          <a:effectRef idx="0">
+            <a:schemeClr val="accent1"/>
+          </a:effectRef>
+          <a:fontRef idx="minor">
+            <a:schemeClr val="tx1"/>
+          </a:fontRef>
+        </p:style>
+      </p:cxnSp>
+      <p:cxnSp>
+        <p:nvCxnSpPr>
+          <p:cNvPr id="12" name="직선 화살표 연결선 11">
+            <a:extLst>
+              <a:ext uri="{FF2B5EF4-FFF2-40B4-BE49-F238E27FC236}">
+                <a16:creationId xmlns:a16="http://schemas.microsoft.com/office/drawing/2014/main" id="{DC0F13C2-1EEC-46B4-8FD4-695D699797F4}"/>
+              </a:ext>
+            </a:extLst>
+          </p:cNvPr>
+          <p:cNvCxnSpPr/>
+          <p:nvPr/>
+        </p:nvCxnSpPr>
+        <p:spPr>
+          <a:xfrm>
+            <a:off x="1734206" y="2490611"/>
+            <a:ext cx="2816773" cy="0"/>
+          </a:xfrm>
+          <a:prstGeom prst="straightConnector1">
+            <a:avLst/>
+          </a:prstGeom>
+          <a:ln>
+            <a:tailEnd type="triangle"/>
+          </a:ln>
+        </p:spPr>
+        <p:style>
+          <a:lnRef idx="1">
+            <a:schemeClr val="accent1"/>
+          </a:lnRef>
+          <a:fillRef idx="0">
+            <a:schemeClr val="accent1"/>
+          </a:fillRef>
+          <a:effectRef idx="0">
+            <a:schemeClr val="accent1"/>
+          </a:effectRef>
+          <a:fontRef idx="minor">
+            <a:schemeClr val="tx1"/>
+          </a:fontRef>
+        </p:style>
+      </p:cxnSp>
+      <p:cxnSp>
+        <p:nvCxnSpPr>
+          <p:cNvPr id="13" name="직선 화살표 연결선 12">
+            <a:extLst>
+              <a:ext uri="{FF2B5EF4-FFF2-40B4-BE49-F238E27FC236}">
+                <a16:creationId xmlns:a16="http://schemas.microsoft.com/office/drawing/2014/main" id="{1B90FB55-AF07-48D5-90E9-7FD8B465C8D3}"/>
+              </a:ext>
+            </a:extLst>
+          </p:cNvPr>
+          <p:cNvCxnSpPr>
+            <a:cxnSpLocks/>
+          </p:cNvCxnSpPr>
+          <p:nvPr/>
+        </p:nvCxnSpPr>
+        <p:spPr>
+          <a:xfrm>
+            <a:off x="4550979" y="2490611"/>
+            <a:ext cx="2921878" cy="0"/>
+          </a:xfrm>
+          <a:prstGeom prst="straightConnector1">
+            <a:avLst/>
+          </a:prstGeom>
+          <a:ln>
+            <a:tailEnd type="triangle"/>
+          </a:ln>
+        </p:spPr>
+        <p:style>
+          <a:lnRef idx="1">
+            <a:schemeClr val="accent1"/>
+          </a:lnRef>
+          <a:fillRef idx="0">
+            <a:schemeClr val="accent1"/>
+          </a:fillRef>
+          <a:effectRef idx="0">
+            <a:schemeClr val="accent1"/>
+          </a:effectRef>
+          <a:fontRef idx="minor">
+            <a:schemeClr val="tx1"/>
+          </a:fontRef>
+        </p:style>
+      </p:cxnSp>
+      <p:sp>
+        <p:nvSpPr>
+          <p:cNvPr id="14" name="TextBox 13">
+            <a:extLst>
+              <a:ext uri="{FF2B5EF4-FFF2-40B4-BE49-F238E27FC236}">
+                <a16:creationId xmlns:a16="http://schemas.microsoft.com/office/drawing/2014/main" id="{8E0D4D8B-053D-4A64-AE92-CE1CD4263868}"/>
+              </a:ext>
+            </a:extLst>
+          </p:cNvPr>
+          <p:cNvSpPr txBox="1"/>
+          <p:nvPr/>
+        </p:nvSpPr>
+        <p:spPr>
+          <a:xfrm>
+            <a:off x="2484711" y="2352111"/>
+            <a:ext cx="1315762" cy="276999"/>
+          </a:xfrm>
+          <a:prstGeom prst="rect">
+            <a:avLst/>
+          </a:prstGeom>
+          <a:solidFill>
+            <a:schemeClr val="bg1"/>
+          </a:solidFill>
+        </p:spPr>
+        <p:txBody>
+          <a:bodyPr wrap="square" rtlCol="0">
+            <a:spAutoFit/>
+          </a:bodyPr>
+          <a:lstStyle/>
+          <a:p>
+            <a:pPr algn="ctr"/>
+            <a:r>
+              <a:rPr lang="en-US" altLang="ko-KR" sz="1200" dirty="0"/>
+              <a:t>1</a:t>
+            </a:r>
+            <a:r>
+              <a:rPr lang="en-US" altLang="ko-KR" sz="1200"/>
+              <a:t>. </a:t>
+            </a:r>
+            <a:r>
+              <a:rPr lang="ko-KR" altLang="en-US" sz="1200" dirty="0"/>
+              <a:t>서비스 접근</a:t>
+            </a:r>
+          </a:p>
+        </p:txBody>
+      </p:sp>
+      <p:sp>
+        <p:nvSpPr>
+          <p:cNvPr id="15" name="TextBox 14">
+            <a:extLst>
+              <a:ext uri="{FF2B5EF4-FFF2-40B4-BE49-F238E27FC236}">
+                <a16:creationId xmlns:a16="http://schemas.microsoft.com/office/drawing/2014/main" id="{DC3DC35C-6FE3-416D-978A-5EDF405B65F6}"/>
+              </a:ext>
+            </a:extLst>
+          </p:cNvPr>
+          <p:cNvSpPr txBox="1"/>
+          <p:nvPr/>
+        </p:nvSpPr>
+        <p:spPr>
+          <a:xfrm>
+            <a:off x="5375389" y="2352111"/>
+            <a:ext cx="1273058" cy="276999"/>
+          </a:xfrm>
+          <a:prstGeom prst="rect">
+            <a:avLst/>
+          </a:prstGeom>
+          <a:solidFill>
+            <a:schemeClr val="bg1"/>
+          </a:solidFill>
+        </p:spPr>
+        <p:txBody>
+          <a:bodyPr wrap="square" rtlCol="0">
+            <a:spAutoFit/>
+          </a:bodyPr>
+          <a:lstStyle/>
+          <a:p>
+            <a:pPr algn="ctr"/>
+            <a:r>
+              <a:rPr lang="en-US" altLang="ko-KR" sz="1200" dirty="0"/>
+              <a:t>2. </a:t>
+            </a:r>
+            <a:r>
+              <a:rPr lang="ko-KR" altLang="en-US" sz="1200" dirty="0"/>
+              <a:t>로그인 요청</a:t>
+            </a:r>
+          </a:p>
+        </p:txBody>
+      </p:sp>
+      <p:cxnSp>
+        <p:nvCxnSpPr>
+          <p:cNvPr id="16" name="직선 화살표 연결선 15">
+            <a:extLst>
+              <a:ext uri="{FF2B5EF4-FFF2-40B4-BE49-F238E27FC236}">
+                <a16:creationId xmlns:a16="http://schemas.microsoft.com/office/drawing/2014/main" id="{2A3CD81B-9D43-4364-A541-0EF0AA57B311}"/>
+              </a:ext>
+            </a:extLst>
+          </p:cNvPr>
+          <p:cNvCxnSpPr>
+            <a:cxnSpLocks/>
+          </p:cNvCxnSpPr>
+          <p:nvPr/>
+        </p:nvCxnSpPr>
+        <p:spPr>
+          <a:xfrm>
+            <a:off x="1734206" y="2927172"/>
+            <a:ext cx="5738651" cy="0"/>
+          </a:xfrm>
+          <a:prstGeom prst="straightConnector1">
+            <a:avLst/>
+          </a:prstGeom>
+          <a:ln>
+            <a:headEnd type="triangle"/>
+            <a:tailEnd type="none"/>
+          </a:ln>
+        </p:spPr>
+        <p:style>
+          <a:lnRef idx="1">
+            <a:schemeClr val="accent1"/>
+          </a:lnRef>
+          <a:fillRef idx="0">
+            <a:schemeClr val="accent1"/>
+          </a:fillRef>
+          <a:effectRef idx="0">
+            <a:schemeClr val="accent1"/>
+          </a:effectRef>
+          <a:fontRef idx="minor">
+            <a:schemeClr val="tx1"/>
+          </a:fontRef>
+        </p:style>
+      </p:cxnSp>
+      <p:sp>
+        <p:nvSpPr>
+          <p:cNvPr id="17" name="TextBox 16">
+            <a:extLst>
+              <a:ext uri="{FF2B5EF4-FFF2-40B4-BE49-F238E27FC236}">
+                <a16:creationId xmlns:a16="http://schemas.microsoft.com/office/drawing/2014/main" id="{347EC313-B5C3-4E8E-A754-F45F3E568CB9}"/>
+              </a:ext>
+            </a:extLst>
+          </p:cNvPr>
+          <p:cNvSpPr txBox="1"/>
+          <p:nvPr/>
+        </p:nvSpPr>
+        <p:spPr>
+          <a:xfrm>
+            <a:off x="3645121" y="2788672"/>
+            <a:ext cx="2012724" cy="276999"/>
+          </a:xfrm>
+          <a:prstGeom prst="rect">
+            <a:avLst/>
+          </a:prstGeom>
+          <a:solidFill>
+            <a:schemeClr val="bg1"/>
+          </a:solidFill>
+        </p:spPr>
+        <p:txBody>
+          <a:bodyPr wrap="square" rtlCol="0">
+            <a:spAutoFit/>
+          </a:bodyPr>
+          <a:lstStyle/>
+          <a:p>
+            <a:pPr algn="ctr"/>
+            <a:r>
+              <a:rPr lang="en-US" altLang="ko-KR" sz="1200" dirty="0"/>
+              <a:t>3. </a:t>
+            </a:r>
+            <a:r>
+              <a:rPr lang="ko-KR" altLang="en-US" sz="1200" dirty="0"/>
+              <a:t>로그인 페이지 제공</a:t>
+            </a:r>
+          </a:p>
+        </p:txBody>
+      </p:sp>
+      <p:cxnSp>
+        <p:nvCxnSpPr>
+          <p:cNvPr id="18" name="직선 화살표 연결선 17">
+            <a:extLst>
+              <a:ext uri="{FF2B5EF4-FFF2-40B4-BE49-F238E27FC236}">
+                <a16:creationId xmlns:a16="http://schemas.microsoft.com/office/drawing/2014/main" id="{A32D7CE3-7998-49E0-9B25-B2238E7E3A76}"/>
+              </a:ext>
+            </a:extLst>
+          </p:cNvPr>
+          <p:cNvCxnSpPr>
+            <a:cxnSpLocks/>
+          </p:cNvCxnSpPr>
+          <p:nvPr/>
+        </p:nvCxnSpPr>
+        <p:spPr>
+          <a:xfrm>
+            <a:off x="1734206" y="3406187"/>
+            <a:ext cx="5738651" cy="0"/>
+          </a:xfrm>
+          <a:prstGeom prst="straightConnector1">
+            <a:avLst/>
+          </a:prstGeom>
+          <a:ln>
+            <a:headEnd type="none"/>
+            <a:tailEnd type="triangle"/>
+          </a:ln>
+        </p:spPr>
+        <p:style>
+          <a:lnRef idx="1">
+            <a:schemeClr val="accent1"/>
+          </a:lnRef>
+          <a:fillRef idx="0">
+            <a:schemeClr val="accent1"/>
+          </a:fillRef>
+          <a:effectRef idx="0">
+            <a:schemeClr val="accent1"/>
+          </a:effectRef>
+          <a:fontRef idx="minor">
+            <a:schemeClr val="tx1"/>
+          </a:fontRef>
+        </p:style>
+      </p:cxnSp>
+      <p:sp>
+        <p:nvSpPr>
+          <p:cNvPr id="19" name="TextBox 18">
+            <a:extLst>
+              <a:ext uri="{FF2B5EF4-FFF2-40B4-BE49-F238E27FC236}">
+                <a16:creationId xmlns:a16="http://schemas.microsoft.com/office/drawing/2014/main" id="{58AFE7EA-F4FE-41C4-9DB6-8DB8D85D3119}"/>
+              </a:ext>
+            </a:extLst>
+          </p:cNvPr>
+          <p:cNvSpPr txBox="1"/>
+          <p:nvPr/>
+        </p:nvSpPr>
+        <p:spPr>
+          <a:xfrm>
+            <a:off x="3645121" y="3267687"/>
+            <a:ext cx="2012724" cy="276999"/>
+          </a:xfrm>
+          <a:prstGeom prst="rect">
+            <a:avLst/>
+          </a:prstGeom>
+          <a:solidFill>
+            <a:schemeClr val="bg1"/>
+          </a:solidFill>
+        </p:spPr>
+        <p:txBody>
+          <a:bodyPr wrap="square" rtlCol="0">
+            <a:spAutoFit/>
+          </a:bodyPr>
+          <a:lstStyle/>
+          <a:p>
+            <a:pPr algn="ctr"/>
+            <a:r>
+              <a:rPr lang="en-US" altLang="ko-KR" sz="1200" dirty="0"/>
+              <a:t>4. ID/PW </a:t>
+            </a:r>
+            <a:r>
+              <a:rPr lang="ko-KR" altLang="en-US" sz="1200" dirty="0"/>
+              <a:t>제공 </a:t>
+            </a:r>
+          </a:p>
+        </p:txBody>
+      </p:sp>
+      <p:cxnSp>
+        <p:nvCxnSpPr>
+          <p:cNvPr id="20" name="직선 화살표 연결선 19">
+            <a:extLst>
+              <a:ext uri="{FF2B5EF4-FFF2-40B4-BE49-F238E27FC236}">
+                <a16:creationId xmlns:a16="http://schemas.microsoft.com/office/drawing/2014/main" id="{A292D8EA-0375-4490-85AE-E7AF6947E3E8}"/>
+              </a:ext>
+            </a:extLst>
+          </p:cNvPr>
+          <p:cNvCxnSpPr>
+            <a:cxnSpLocks/>
+          </p:cNvCxnSpPr>
+          <p:nvPr/>
+        </p:nvCxnSpPr>
+        <p:spPr>
+          <a:xfrm>
+            <a:off x="1734206" y="3885202"/>
+            <a:ext cx="5738651" cy="0"/>
+          </a:xfrm>
+          <a:prstGeom prst="straightConnector1">
+            <a:avLst/>
+          </a:prstGeom>
+          <a:ln>
+            <a:headEnd type="triangle"/>
+            <a:tailEnd type="none"/>
+          </a:ln>
+        </p:spPr>
+        <p:style>
+          <a:lnRef idx="1">
+            <a:schemeClr val="accent1"/>
+          </a:lnRef>
+          <a:fillRef idx="0">
+            <a:schemeClr val="accent1"/>
+          </a:fillRef>
+          <a:effectRef idx="0">
+            <a:schemeClr val="accent1"/>
+          </a:effectRef>
+          <a:fontRef idx="minor">
+            <a:schemeClr val="tx1"/>
+          </a:fontRef>
+        </p:style>
+      </p:cxnSp>
+      <p:sp>
+        <p:nvSpPr>
+          <p:cNvPr id="21" name="TextBox 20">
+            <a:extLst>
+              <a:ext uri="{FF2B5EF4-FFF2-40B4-BE49-F238E27FC236}">
+                <a16:creationId xmlns:a16="http://schemas.microsoft.com/office/drawing/2014/main" id="{F723AB8F-293A-4223-9003-82C12728C233}"/>
+              </a:ext>
+            </a:extLst>
+          </p:cNvPr>
+          <p:cNvSpPr txBox="1"/>
+          <p:nvPr/>
+        </p:nvSpPr>
+        <p:spPr>
+          <a:xfrm>
+            <a:off x="3273642" y="3746702"/>
+            <a:ext cx="2755682" cy="276999"/>
+          </a:xfrm>
+          <a:prstGeom prst="rect">
+            <a:avLst/>
+          </a:prstGeom>
+          <a:solidFill>
+            <a:schemeClr val="bg1"/>
+          </a:solidFill>
+        </p:spPr>
+        <p:txBody>
+          <a:bodyPr wrap="square" rtlCol="0">
+            <a:spAutoFit/>
+          </a:bodyPr>
+          <a:lstStyle/>
+          <a:p>
+            <a:pPr algn="ctr"/>
+            <a:r>
+              <a:rPr lang="en-US" altLang="ko-KR" sz="1200" b="1" dirty="0"/>
+              <a:t>5. Authorization code </a:t>
+            </a:r>
+            <a:r>
+              <a:rPr lang="ko-KR" altLang="en-US" sz="1200" b="1" dirty="0"/>
+              <a:t>발급</a:t>
+            </a:r>
+          </a:p>
+        </p:txBody>
+      </p:sp>
+      <p:cxnSp>
+        <p:nvCxnSpPr>
+          <p:cNvPr id="22" name="직선 화살표 연결선 21">
+            <a:extLst>
+              <a:ext uri="{FF2B5EF4-FFF2-40B4-BE49-F238E27FC236}">
+                <a16:creationId xmlns:a16="http://schemas.microsoft.com/office/drawing/2014/main" id="{5F8216D5-A173-4209-9F93-A51078479607}"/>
+              </a:ext>
+            </a:extLst>
+          </p:cNvPr>
+          <p:cNvCxnSpPr/>
+          <p:nvPr/>
+        </p:nvCxnSpPr>
+        <p:spPr>
+          <a:xfrm>
+            <a:off x="1734206" y="4413439"/>
+            <a:ext cx="2816773" cy="0"/>
+          </a:xfrm>
+          <a:prstGeom prst="straightConnector1">
+            <a:avLst/>
+          </a:prstGeom>
+          <a:ln>
+            <a:solidFill>
+              <a:srgbClr val="FF0000"/>
+            </a:solidFill>
+            <a:tailEnd type="triangle"/>
+          </a:ln>
+        </p:spPr>
+        <p:style>
+          <a:lnRef idx="1">
+            <a:schemeClr val="accent1"/>
+          </a:lnRef>
+          <a:fillRef idx="0">
+            <a:schemeClr val="accent1"/>
+          </a:fillRef>
+          <a:effectRef idx="0">
+            <a:schemeClr val="accent1"/>
+          </a:effectRef>
+          <a:fontRef idx="minor">
+            <a:schemeClr val="tx1"/>
+          </a:fontRef>
+        </p:style>
+      </p:cxnSp>
+      <p:sp>
+        <p:nvSpPr>
+          <p:cNvPr id="23" name="TextBox 22">
+            <a:extLst>
+              <a:ext uri="{FF2B5EF4-FFF2-40B4-BE49-F238E27FC236}">
+                <a16:creationId xmlns:a16="http://schemas.microsoft.com/office/drawing/2014/main" id="{678A0798-008E-4A95-8EF8-853EB2ABFDC2}"/>
+              </a:ext>
+            </a:extLst>
+          </p:cNvPr>
+          <p:cNvSpPr txBox="1"/>
+          <p:nvPr/>
+        </p:nvSpPr>
+        <p:spPr>
+          <a:xfrm>
+            <a:off x="2132284" y="4274939"/>
+            <a:ext cx="2020616" cy="276999"/>
+          </a:xfrm>
+          <a:prstGeom prst="rect">
+            <a:avLst/>
+          </a:prstGeom>
+          <a:solidFill>
+            <a:schemeClr val="bg1"/>
+          </a:solidFill>
+        </p:spPr>
+        <p:txBody>
+          <a:bodyPr wrap="square" rtlCol="0">
+            <a:spAutoFit/>
+          </a:bodyPr>
+          <a:lstStyle/>
+          <a:p>
+            <a:pPr algn="ctr"/>
+            <a:r>
+              <a:rPr lang="en-US" altLang="ko-KR" sz="1200" dirty="0"/>
+              <a:t>6. Redirect:</a:t>
+            </a:r>
+            <a:r>
+              <a:rPr lang="ko-KR" altLang="en-US" sz="1200" dirty="0"/>
+              <a:t> </a:t>
+            </a:r>
+            <a:r>
+              <a:rPr lang="en-US" altLang="ko-KR" sz="1200" dirty="0"/>
+              <a:t>Callback</a:t>
+            </a:r>
+            <a:r>
+              <a:rPr lang="ko-KR" altLang="en-US" sz="1200" dirty="0"/>
+              <a:t> </a:t>
+            </a:r>
+            <a:r>
+              <a:rPr lang="en-US" altLang="ko-KR" sz="1200" dirty="0"/>
+              <a:t>URL</a:t>
+            </a:r>
+            <a:endParaRPr lang="ko-KR" altLang="en-US" sz="1200" dirty="0"/>
+          </a:p>
+        </p:txBody>
+      </p:sp>
+      <p:cxnSp>
+        <p:nvCxnSpPr>
+          <p:cNvPr id="24" name="직선 화살표 연결선 23">
+            <a:extLst>
+              <a:ext uri="{FF2B5EF4-FFF2-40B4-BE49-F238E27FC236}">
+                <a16:creationId xmlns:a16="http://schemas.microsoft.com/office/drawing/2014/main" id="{5A513816-86C0-435F-B718-D2F0F5884318}"/>
+              </a:ext>
+            </a:extLst>
+          </p:cNvPr>
+          <p:cNvCxnSpPr>
+            <a:cxnSpLocks/>
+          </p:cNvCxnSpPr>
+          <p:nvPr/>
+        </p:nvCxnSpPr>
+        <p:spPr>
+          <a:xfrm>
+            <a:off x="4550979" y="4734906"/>
+            <a:ext cx="2921878" cy="0"/>
+          </a:xfrm>
+          <a:prstGeom prst="straightConnector1">
+            <a:avLst/>
+          </a:prstGeom>
+          <a:ln>
+            <a:solidFill>
+              <a:srgbClr val="FF0000"/>
+            </a:solidFill>
+            <a:tailEnd type="triangle"/>
+          </a:ln>
+        </p:spPr>
+        <p:style>
+          <a:lnRef idx="1">
+            <a:schemeClr val="accent1"/>
+          </a:lnRef>
+          <a:fillRef idx="0">
+            <a:schemeClr val="accent1"/>
+          </a:fillRef>
+          <a:effectRef idx="0">
+            <a:schemeClr val="accent1"/>
+          </a:effectRef>
+          <a:fontRef idx="minor">
+            <a:schemeClr val="tx1"/>
+          </a:fontRef>
+        </p:style>
+      </p:cxnSp>
+      <p:sp>
+        <p:nvSpPr>
+          <p:cNvPr id="25" name="TextBox 24">
+            <a:extLst>
+              <a:ext uri="{FF2B5EF4-FFF2-40B4-BE49-F238E27FC236}">
+                <a16:creationId xmlns:a16="http://schemas.microsoft.com/office/drawing/2014/main" id="{320EE4F7-5D1A-4693-899D-C6017CBF3316}"/>
+              </a:ext>
+            </a:extLst>
+          </p:cNvPr>
+          <p:cNvSpPr txBox="1"/>
+          <p:nvPr/>
+        </p:nvSpPr>
+        <p:spPr>
+          <a:xfrm>
+            <a:off x="5118215" y="4596406"/>
+            <a:ext cx="1787406" cy="276999"/>
+          </a:xfrm>
+          <a:prstGeom prst="rect">
+            <a:avLst/>
+          </a:prstGeom>
+          <a:solidFill>
+            <a:schemeClr val="bg1"/>
+          </a:solidFill>
+        </p:spPr>
+        <p:txBody>
+          <a:bodyPr wrap="square" rtlCol="0">
+            <a:spAutoFit/>
+          </a:bodyPr>
+          <a:lstStyle/>
+          <a:p>
+            <a:pPr algn="ctr"/>
+            <a:r>
+              <a:rPr lang="en-US" altLang="ko-KR" sz="1200" dirty="0"/>
+              <a:t>7. Access</a:t>
+            </a:r>
+            <a:r>
+              <a:rPr lang="ko-KR" altLang="en-US" sz="1200" dirty="0"/>
+              <a:t> </a:t>
+            </a:r>
+            <a:r>
+              <a:rPr lang="en-US" altLang="ko-KR" sz="1200" dirty="0"/>
+              <a:t>Token</a:t>
+            </a:r>
+            <a:r>
+              <a:rPr lang="ko-KR" altLang="en-US" sz="1200" dirty="0"/>
+              <a:t> 요청</a:t>
+            </a:r>
+          </a:p>
+        </p:txBody>
+      </p:sp>
+      <p:cxnSp>
+        <p:nvCxnSpPr>
+          <p:cNvPr id="26" name="직선 화살표 연결선 25">
+            <a:extLst>
+              <a:ext uri="{FF2B5EF4-FFF2-40B4-BE49-F238E27FC236}">
+                <a16:creationId xmlns:a16="http://schemas.microsoft.com/office/drawing/2014/main" id="{95896355-3DF8-49E2-8EB5-5D3F08C22665}"/>
+              </a:ext>
+            </a:extLst>
+          </p:cNvPr>
+          <p:cNvCxnSpPr>
+            <a:cxnSpLocks/>
+          </p:cNvCxnSpPr>
+          <p:nvPr/>
+        </p:nvCxnSpPr>
+        <p:spPr>
+          <a:xfrm>
+            <a:off x="4550979" y="5031000"/>
+            <a:ext cx="2921878" cy="0"/>
+          </a:xfrm>
+          <a:prstGeom prst="straightConnector1">
+            <a:avLst/>
+          </a:prstGeom>
+          <a:ln>
+            <a:solidFill>
+              <a:srgbClr val="FF0000"/>
+            </a:solidFill>
+            <a:headEnd type="triangle"/>
+            <a:tailEnd type="none"/>
+          </a:ln>
+        </p:spPr>
+        <p:style>
+          <a:lnRef idx="1">
+            <a:schemeClr val="accent1"/>
+          </a:lnRef>
+          <a:fillRef idx="0">
+            <a:schemeClr val="accent1"/>
+          </a:fillRef>
+          <a:effectRef idx="0">
+            <a:schemeClr val="accent1"/>
+          </a:effectRef>
+          <a:fontRef idx="minor">
+            <a:schemeClr val="tx1"/>
+          </a:fontRef>
+        </p:style>
+      </p:cxnSp>
+      <p:sp>
+        <p:nvSpPr>
+          <p:cNvPr id="27" name="TextBox 26">
+            <a:extLst>
+              <a:ext uri="{FF2B5EF4-FFF2-40B4-BE49-F238E27FC236}">
+                <a16:creationId xmlns:a16="http://schemas.microsoft.com/office/drawing/2014/main" id="{FFE1E052-54D9-4C94-944C-FF4CB35685C1}"/>
+              </a:ext>
+            </a:extLst>
+          </p:cNvPr>
+          <p:cNvSpPr txBox="1"/>
+          <p:nvPr/>
+        </p:nvSpPr>
+        <p:spPr>
+          <a:xfrm>
+            <a:off x="5118215" y="4892500"/>
+            <a:ext cx="1787406" cy="276999"/>
+          </a:xfrm>
+          <a:prstGeom prst="rect">
+            <a:avLst/>
+          </a:prstGeom>
+          <a:solidFill>
+            <a:schemeClr val="bg1"/>
+          </a:solidFill>
+        </p:spPr>
+        <p:txBody>
+          <a:bodyPr wrap="square" rtlCol="0">
+            <a:spAutoFit/>
+          </a:bodyPr>
+          <a:lstStyle/>
+          <a:p>
+            <a:pPr algn="ctr"/>
+            <a:r>
+              <a:rPr lang="en-US" altLang="ko-KR" sz="1200" dirty="0"/>
+              <a:t>8. Access</a:t>
+            </a:r>
+            <a:r>
+              <a:rPr lang="ko-KR" altLang="en-US" sz="1200" dirty="0"/>
+              <a:t> </a:t>
+            </a:r>
+            <a:r>
+              <a:rPr lang="en-US" altLang="ko-KR" sz="1200" dirty="0"/>
+              <a:t>Token</a:t>
+            </a:r>
+            <a:r>
+              <a:rPr lang="ko-KR" altLang="en-US" sz="1200" dirty="0"/>
+              <a:t> 발급</a:t>
+            </a:r>
+          </a:p>
+        </p:txBody>
+      </p:sp>
+      <p:cxnSp>
+        <p:nvCxnSpPr>
+          <p:cNvPr id="28" name="직선 화살표 연결선 27">
+            <a:extLst>
+              <a:ext uri="{FF2B5EF4-FFF2-40B4-BE49-F238E27FC236}">
+                <a16:creationId xmlns:a16="http://schemas.microsoft.com/office/drawing/2014/main" id="{047E0231-86CF-4046-85FB-1E6E3FACA184}"/>
+              </a:ext>
+            </a:extLst>
+          </p:cNvPr>
+          <p:cNvCxnSpPr/>
+          <p:nvPr/>
+        </p:nvCxnSpPr>
+        <p:spPr>
+          <a:xfrm>
+            <a:off x="1734206" y="5535312"/>
+            <a:ext cx="2816773" cy="0"/>
+          </a:xfrm>
+          <a:prstGeom prst="straightConnector1">
+            <a:avLst/>
+          </a:prstGeom>
+          <a:ln>
+            <a:tailEnd type="triangle"/>
+          </a:ln>
+        </p:spPr>
+        <p:style>
+          <a:lnRef idx="1">
+            <a:schemeClr val="accent1"/>
+          </a:lnRef>
+          <a:fillRef idx="0">
+            <a:schemeClr val="accent1"/>
+          </a:fillRef>
+          <a:effectRef idx="0">
+            <a:schemeClr val="accent1"/>
+          </a:effectRef>
+          <a:fontRef idx="minor">
+            <a:schemeClr val="tx1"/>
+          </a:fontRef>
+        </p:style>
+      </p:cxnSp>
+      <p:sp>
+        <p:nvSpPr>
+          <p:cNvPr id="29" name="TextBox 28">
+            <a:extLst>
+              <a:ext uri="{FF2B5EF4-FFF2-40B4-BE49-F238E27FC236}">
+                <a16:creationId xmlns:a16="http://schemas.microsoft.com/office/drawing/2014/main" id="{E652A874-2378-4E1B-A158-5FBA63EE6349}"/>
+              </a:ext>
+            </a:extLst>
+          </p:cNvPr>
+          <p:cNvSpPr txBox="1"/>
+          <p:nvPr/>
+        </p:nvSpPr>
+        <p:spPr>
+          <a:xfrm>
+            <a:off x="2270230" y="5304479"/>
+            <a:ext cx="1744724" cy="461665"/>
+          </a:xfrm>
+          <a:prstGeom prst="rect">
+            <a:avLst/>
+          </a:prstGeom>
+          <a:solidFill>
+            <a:schemeClr val="bg1"/>
+          </a:solidFill>
+        </p:spPr>
+        <p:txBody>
+          <a:bodyPr wrap="square" rtlCol="0">
+            <a:spAutoFit/>
+          </a:bodyPr>
+          <a:lstStyle/>
+          <a:p>
+            <a:pPr algn="ctr"/>
+            <a:r>
+              <a:rPr lang="en-US" altLang="ko-KR" sz="1200" dirty="0"/>
+              <a:t>9. Authorization code  </a:t>
+            </a:r>
+          </a:p>
+          <a:p>
+            <a:pPr algn="ctr"/>
+            <a:r>
+              <a:rPr lang="ko-KR" altLang="en-US" sz="1200" dirty="0"/>
+              <a:t>이용하여 서비스 요청</a:t>
+            </a:r>
+          </a:p>
+        </p:txBody>
+      </p:sp>
+      <p:cxnSp>
+        <p:nvCxnSpPr>
+          <p:cNvPr id="30" name="직선 화살표 연결선 29">
+            <a:extLst>
+              <a:ext uri="{FF2B5EF4-FFF2-40B4-BE49-F238E27FC236}">
+                <a16:creationId xmlns:a16="http://schemas.microsoft.com/office/drawing/2014/main" id="{9CABC0CD-FA77-4F14-9C3E-DB9FA74BEC08}"/>
+              </a:ext>
+            </a:extLst>
+          </p:cNvPr>
+          <p:cNvCxnSpPr>
+            <a:cxnSpLocks/>
+          </p:cNvCxnSpPr>
+          <p:nvPr/>
+        </p:nvCxnSpPr>
+        <p:spPr>
+          <a:xfrm>
+            <a:off x="4550977" y="5766144"/>
+            <a:ext cx="5774121" cy="0"/>
+          </a:xfrm>
+          <a:prstGeom prst="straightConnector1">
+            <a:avLst/>
+          </a:prstGeom>
+          <a:ln>
+            <a:tailEnd type="triangle"/>
+          </a:ln>
+        </p:spPr>
+        <p:style>
+          <a:lnRef idx="1">
+            <a:schemeClr val="accent1"/>
+          </a:lnRef>
+          <a:fillRef idx="0">
+            <a:schemeClr val="accent1"/>
+          </a:fillRef>
+          <a:effectRef idx="0">
+            <a:schemeClr val="accent1"/>
+          </a:effectRef>
+          <a:fontRef idx="minor">
+            <a:schemeClr val="tx1"/>
+          </a:fontRef>
+        </p:style>
+      </p:cxnSp>
+      <p:sp>
+        <p:nvSpPr>
+          <p:cNvPr id="31" name="TextBox 30">
+            <a:extLst>
+              <a:ext uri="{FF2B5EF4-FFF2-40B4-BE49-F238E27FC236}">
+                <a16:creationId xmlns:a16="http://schemas.microsoft.com/office/drawing/2014/main" id="{5881B415-0C63-4684-9F75-D54C7A1F8DBA}"/>
+              </a:ext>
+            </a:extLst>
+          </p:cNvPr>
+          <p:cNvSpPr txBox="1"/>
+          <p:nvPr/>
+        </p:nvSpPr>
+        <p:spPr>
+          <a:xfrm>
+            <a:off x="6362700" y="5627644"/>
+            <a:ext cx="2666997" cy="276999"/>
+          </a:xfrm>
+          <a:prstGeom prst="rect">
+            <a:avLst/>
+          </a:prstGeom>
+          <a:solidFill>
+            <a:schemeClr val="bg1"/>
+          </a:solidFill>
+        </p:spPr>
+        <p:txBody>
+          <a:bodyPr wrap="square" rtlCol="0">
+            <a:spAutoFit/>
+          </a:bodyPr>
+          <a:lstStyle/>
+          <a:p>
+            <a:pPr algn="ctr"/>
+            <a:r>
+              <a:rPr lang="en-US" altLang="ko-KR" sz="1200" dirty="0"/>
+              <a:t>10. Access Token </a:t>
+            </a:r>
+            <a:r>
+              <a:rPr lang="ko-KR" altLang="en-US" sz="1200" dirty="0"/>
+              <a:t>으로 서비스 호출</a:t>
+            </a:r>
+          </a:p>
+        </p:txBody>
+      </p:sp>
+      <p:cxnSp>
+        <p:nvCxnSpPr>
+          <p:cNvPr id="32" name="직선 화살표 연결선 31">
+            <a:extLst>
+              <a:ext uri="{FF2B5EF4-FFF2-40B4-BE49-F238E27FC236}">
+                <a16:creationId xmlns:a16="http://schemas.microsoft.com/office/drawing/2014/main" id="{C18E7A6F-FBA8-486C-BF8B-9DBB517F31FB}"/>
+              </a:ext>
+            </a:extLst>
+          </p:cNvPr>
+          <p:cNvCxnSpPr>
+            <a:cxnSpLocks/>
+          </p:cNvCxnSpPr>
+          <p:nvPr/>
+        </p:nvCxnSpPr>
+        <p:spPr>
+          <a:xfrm>
+            <a:off x="4550977" y="6099732"/>
+            <a:ext cx="5774121" cy="0"/>
+          </a:xfrm>
+          <a:prstGeom prst="straightConnector1">
+            <a:avLst/>
+          </a:prstGeom>
+          <a:ln>
+            <a:headEnd type="triangle"/>
+            <a:tailEnd type="none"/>
+          </a:ln>
+        </p:spPr>
+        <p:style>
+          <a:lnRef idx="1">
+            <a:schemeClr val="accent1"/>
+          </a:lnRef>
+          <a:fillRef idx="0">
+            <a:schemeClr val="accent1"/>
+          </a:fillRef>
+          <a:effectRef idx="0">
+            <a:schemeClr val="accent1"/>
+          </a:effectRef>
+          <a:fontRef idx="minor">
+            <a:schemeClr val="tx1"/>
+          </a:fontRef>
+        </p:style>
+      </p:cxnSp>
+      <p:sp>
+        <p:nvSpPr>
+          <p:cNvPr id="33" name="TextBox 32">
+            <a:extLst>
+              <a:ext uri="{FF2B5EF4-FFF2-40B4-BE49-F238E27FC236}">
+                <a16:creationId xmlns:a16="http://schemas.microsoft.com/office/drawing/2014/main" id="{6FECBA3A-A96F-426F-9713-93A0ADC21FA2}"/>
+              </a:ext>
+            </a:extLst>
+          </p:cNvPr>
+          <p:cNvSpPr txBox="1"/>
+          <p:nvPr/>
+        </p:nvSpPr>
+        <p:spPr>
+          <a:xfrm>
+            <a:off x="6238873" y="5961232"/>
+            <a:ext cx="2914652" cy="276999"/>
+          </a:xfrm>
+          <a:prstGeom prst="rect">
+            <a:avLst/>
+          </a:prstGeom>
+          <a:solidFill>
+            <a:schemeClr val="bg1"/>
+          </a:solidFill>
+        </p:spPr>
+        <p:txBody>
+          <a:bodyPr wrap="square" rtlCol="0">
+            <a:spAutoFit/>
+          </a:bodyPr>
+          <a:lstStyle/>
+          <a:p>
+            <a:pPr algn="ctr"/>
+            <a:r>
+              <a:rPr lang="en-US" altLang="ko-KR" sz="1200" dirty="0"/>
+              <a:t>11. Access Token </a:t>
+            </a:r>
+            <a:r>
+              <a:rPr lang="ko-KR" altLang="en-US" sz="1200" dirty="0"/>
+              <a:t>검증 및 서비스 응답</a:t>
+            </a:r>
+          </a:p>
+        </p:txBody>
+      </p:sp>
+      <p:cxnSp>
+        <p:nvCxnSpPr>
+          <p:cNvPr id="34" name="직선 화살표 연결선 33">
+            <a:extLst>
+              <a:ext uri="{FF2B5EF4-FFF2-40B4-BE49-F238E27FC236}">
+                <a16:creationId xmlns:a16="http://schemas.microsoft.com/office/drawing/2014/main" id="{53159595-C49D-4D02-9B90-1817C1D4869D}"/>
+              </a:ext>
+            </a:extLst>
+          </p:cNvPr>
+          <p:cNvCxnSpPr/>
+          <p:nvPr/>
+        </p:nvCxnSpPr>
+        <p:spPr>
+          <a:xfrm>
+            <a:off x="1734206" y="6358576"/>
+            <a:ext cx="2816773" cy="0"/>
+          </a:xfrm>
+          <a:prstGeom prst="straightConnector1">
+            <a:avLst/>
+          </a:prstGeom>
+          <a:ln>
+            <a:headEnd type="triangle"/>
+            <a:tailEnd type="none"/>
+          </a:ln>
+        </p:spPr>
+        <p:style>
+          <a:lnRef idx="1">
+            <a:schemeClr val="accent1"/>
+          </a:lnRef>
+          <a:fillRef idx="0">
+            <a:schemeClr val="accent1"/>
+          </a:fillRef>
+          <a:effectRef idx="0">
+            <a:schemeClr val="accent1"/>
+          </a:effectRef>
+          <a:fontRef idx="minor">
+            <a:schemeClr val="tx1"/>
+          </a:fontRef>
+        </p:style>
+      </p:cxnSp>
+      <p:sp>
+        <p:nvSpPr>
+          <p:cNvPr id="35" name="TextBox 34">
+            <a:extLst>
+              <a:ext uri="{FF2B5EF4-FFF2-40B4-BE49-F238E27FC236}">
+                <a16:creationId xmlns:a16="http://schemas.microsoft.com/office/drawing/2014/main" id="{163F7490-095E-4351-8403-687FE9A0A6BE}"/>
+              </a:ext>
+            </a:extLst>
+          </p:cNvPr>
+          <p:cNvSpPr txBox="1"/>
+          <p:nvPr/>
+        </p:nvSpPr>
+        <p:spPr>
+          <a:xfrm>
+            <a:off x="2484711" y="6220076"/>
+            <a:ext cx="1315762" cy="276999"/>
+          </a:xfrm>
+          <a:prstGeom prst="rect">
+            <a:avLst/>
+          </a:prstGeom>
+          <a:solidFill>
+            <a:schemeClr val="bg1"/>
+          </a:solidFill>
+        </p:spPr>
+        <p:txBody>
+          <a:bodyPr wrap="square" rtlCol="0">
+            <a:spAutoFit/>
+          </a:bodyPr>
+          <a:lstStyle/>
+          <a:p>
+            <a:pPr algn="ctr"/>
+            <a:r>
+              <a:rPr lang="en-US" altLang="ko-KR" sz="1200" dirty="0"/>
+              <a:t>12. </a:t>
+            </a:r>
+            <a:r>
+              <a:rPr lang="ko-KR" altLang="en-US" sz="1200" dirty="0"/>
+              <a:t>서비스 결과 </a:t>
+            </a:r>
+          </a:p>
+        </p:txBody>
+      </p:sp>
+      <p:sp>
+        <p:nvSpPr>
+          <p:cNvPr id="37" name="직사각형 36">
+            <a:extLst>
+              <a:ext uri="{FF2B5EF4-FFF2-40B4-BE49-F238E27FC236}">
+                <a16:creationId xmlns:a16="http://schemas.microsoft.com/office/drawing/2014/main" id="{3238CA4A-49E0-43EC-BBD3-295A63C31C36}"/>
+              </a:ext>
+            </a:extLst>
+          </p:cNvPr>
+          <p:cNvSpPr/>
+          <p:nvPr/>
+        </p:nvSpPr>
+        <p:spPr>
+          <a:xfrm rot="1869996">
+            <a:off x="9936036" y="1307762"/>
+            <a:ext cx="1719741" cy="404160"/>
+          </a:xfrm>
+          <a:prstGeom prst="rect">
+            <a:avLst/>
+          </a:prstGeom>
+          <a:solidFill>
+            <a:srgbClr val="FF0000"/>
+          </a:solidFill>
+        </p:spPr>
+        <p:style>
+          <a:lnRef idx="2">
+            <a:schemeClr val="accent1">
+              <a:shade val="50000"/>
+            </a:schemeClr>
+          </a:lnRef>
+          <a:fillRef idx="1">
+            <a:schemeClr val="accent1"/>
+          </a:fillRef>
+          <a:effectRef idx="0">
+            <a:schemeClr val="accent1"/>
+          </a:effectRef>
+          <a:fontRef idx="minor">
+            <a:schemeClr val="lt1"/>
+          </a:fontRef>
+        </p:style>
+        <p:txBody>
+          <a:bodyPr rtlCol="0" anchor="ctr"/>
+          <a:lstStyle/>
+          <a:p>
+            <a:pPr algn="ctr"/>
+            <a:r>
+              <a:rPr lang="en-US" altLang="ko-KR" dirty="0"/>
+              <a:t>WebFlux</a:t>
+            </a:r>
+            <a:endParaRPr lang="ko-KR" altLang="en-US" dirty="0"/>
+          </a:p>
+        </p:txBody>
+      </p:sp>
+      <p:sp>
+        <p:nvSpPr>
+          <p:cNvPr id="38" name="직사각형 37">
+            <a:extLst>
+              <a:ext uri="{FF2B5EF4-FFF2-40B4-BE49-F238E27FC236}">
+                <a16:creationId xmlns:a16="http://schemas.microsoft.com/office/drawing/2014/main" id="{B6DF7E2E-DC57-4F6D-A125-709EB71CB966}"/>
+              </a:ext>
+            </a:extLst>
+          </p:cNvPr>
+          <p:cNvSpPr/>
+          <p:nvPr/>
+        </p:nvSpPr>
+        <p:spPr>
+          <a:xfrm rot="1869996">
+            <a:off x="4114634" y="1307762"/>
+            <a:ext cx="1719741" cy="404160"/>
+          </a:xfrm>
+          <a:prstGeom prst="rect">
+            <a:avLst/>
+          </a:prstGeom>
+          <a:solidFill>
+            <a:srgbClr val="FF0000"/>
+          </a:solidFill>
+        </p:spPr>
+        <p:style>
+          <a:lnRef idx="2">
+            <a:schemeClr val="accent1">
+              <a:shade val="50000"/>
+            </a:schemeClr>
+          </a:lnRef>
+          <a:fillRef idx="1">
+            <a:schemeClr val="accent1"/>
+          </a:fillRef>
+          <a:effectRef idx="0">
+            <a:schemeClr val="accent1"/>
+          </a:effectRef>
+          <a:fontRef idx="minor">
+            <a:schemeClr val="lt1"/>
+          </a:fontRef>
+        </p:style>
+        <p:txBody>
+          <a:bodyPr rtlCol="0" anchor="ctr"/>
+          <a:lstStyle/>
+          <a:p>
+            <a:pPr algn="ctr"/>
+            <a:r>
+              <a:rPr lang="en-US" altLang="ko-KR" dirty="0"/>
+              <a:t>WebFlux</a:t>
+            </a:r>
+            <a:endParaRPr lang="ko-KR" altLang="en-US" dirty="0"/>
+          </a:p>
+        </p:txBody>
+      </p:sp>
+    </p:spTree>
+    <p:extLst>
+      <p:ext uri="{BB962C8B-B14F-4D97-AF65-F5344CB8AC3E}">
+        <p14:creationId xmlns:p14="http://schemas.microsoft.com/office/powerpoint/2010/main" val="2228925656"/>
       </p:ext>
     </p:extLst>
   </p:cSld>
